--- a/Slides/Razor_08.pptx
+++ b/Slides/Razor_08.pptx
@@ -8,7 +8,7 @@
     <p:sldMasterId id="2147483723" r:id="rId4"/>
   </p:sldMasterIdLst>
   <p:notesMasterIdLst>
-    <p:notesMasterId r:id="rId28"/>
+    <p:notesMasterId r:id="rId26"/>
   </p:notesMasterIdLst>
   <p:sldIdLst>
     <p:sldId id="256" r:id="rId5"/>
@@ -31,53 +31,51 @@
     <p:sldId id="281" r:id="rId22"/>
     <p:sldId id="286" r:id="rId23"/>
     <p:sldId id="287" r:id="rId24"/>
-    <p:sldId id="282" r:id="rId25"/>
-    <p:sldId id="284" r:id="rId26"/>
-    <p:sldId id="285" r:id="rId27"/>
+    <p:sldId id="285" r:id="rId25"/>
   </p:sldIdLst>
   <p:sldSz cx="12192000" cy="6858000"/>
   <p:notesSz cx="6858000" cy="9144000"/>
   <p:embeddedFontLst>
     <p:embeddedFont>
       <p:font typeface="Calibri" panose="020F0502020204030204" pitchFamily="34" charset="0"/>
-      <p:regular r:id="rId29"/>
-      <p:bold r:id="rId30"/>
-      <p:italic r:id="rId31"/>
-      <p:boldItalic r:id="rId32"/>
+      <p:regular r:id="rId27"/>
+      <p:bold r:id="rId28"/>
+      <p:italic r:id="rId29"/>
+      <p:boldItalic r:id="rId30"/>
     </p:embeddedFont>
     <p:embeddedFont>
       <p:font typeface="Consolas" panose="020B0609020204030204" pitchFamily="49" charset="0"/>
-      <p:regular r:id="rId33"/>
-      <p:bold r:id="rId34"/>
-      <p:italic r:id="rId35"/>
-      <p:boldItalic r:id="rId36"/>
+      <p:regular r:id="rId31"/>
+      <p:bold r:id="rId32"/>
+      <p:italic r:id="rId33"/>
+      <p:boldItalic r:id="rId34"/>
     </p:embeddedFont>
     <p:embeddedFont>
       <p:font typeface="Lucida Sans Unicode" panose="020B0602030504020204" pitchFamily="34" charset="0"/>
-      <p:regular r:id="rId37"/>
+      <p:regular r:id="rId35"/>
     </p:embeddedFont>
     <p:embeddedFont>
       <p:font typeface="PMingLiU" panose="02020500000000000000" pitchFamily="18" charset="-120"/>
-      <p:regular r:id="rId38"/>
+      <p:regular r:id="rId36"/>
     </p:embeddedFont>
     <p:embeddedFont>
       <p:font typeface="Segoe UI" panose="020B0502040204020203" pitchFamily="34" charset="0"/>
-      <p:regular r:id="rId39"/>
-      <p:bold r:id="rId40"/>
-      <p:italic r:id="rId41"/>
-      <p:boldItalic r:id="rId42"/>
+      <p:regular r:id="rId37"/>
+      <p:bold r:id="rId38"/>
+      <p:italic r:id="rId39"/>
+      <p:boldItalic r:id="rId40"/>
     </p:embeddedFont>
     <p:embeddedFont>
       <p:font typeface="Segoe UI Light" panose="020B0502040204020203" pitchFamily="34" charset="0"/>
-      <p:regular r:id="rId43"/>
-      <p:italic r:id="rId44"/>
+      <p:regular r:id="rId41"/>
+      <p:italic r:id="rId42"/>
     </p:embeddedFont>
     <p:embeddedFont>
       <p:font typeface="Verdana" panose="020B0604030504040204" pitchFamily="34" charset="0"/>
-      <p:regular r:id="rId45"/>
-      <p:bold r:id="rId46"/>
-      <p:italic r:id="rId47"/>
-      <p:boldItalic r:id="rId48"/>
+      <p:regular r:id="rId43"/>
+      <p:bold r:id="rId44"/>
+      <p:italic r:id="rId45"/>
+      <p:boldItalic r:id="rId46"/>
     </p:embeddedFont>
   </p:embeddedFontLst>
   <p:defaultTextStyle>
@@ -290,7 +288,7 @@
           <a:p>
             <a:fld id="{26C87062-192D-4BD9-8A1D-8F41B00E23B3}" type="datetimeFigureOut">
               <a:rPr lang="en-US" smtClean="0"/>
-              <a:t>11/16/2021</a:t>
+              <a:t>1/18/2022</a:t>
             </a:fld>
             <a:endParaRPr lang="en-US"/>
           </a:p>
@@ -4927,7 +4925,332 @@
           </a:bodyPr>
           <a:lstStyle/>
           <a:p>
-            <a:endParaRPr lang="en-US"/>
+            <a:pPr>
+              <a:lnSpc>
+                <a:spcPct val="115000"/>
+              </a:lnSpc>
+              <a:spcAft>
+                <a:spcPts val="1000"/>
+              </a:spcAft>
+            </a:pPr>
+            <a:r>
+              <a:rPr lang="en-US" sz="1000" b="1" dirty="0">
+                <a:latin typeface="Arial"/>
+                <a:ea typeface="Calibri"/>
+                <a:cs typeface="Times New Roman"/>
+              </a:rPr>
+              <a:t>Review Question</a:t>
+            </a:r>
+            <a:endParaRPr lang="en-US" sz="1000" dirty="0">
+              <a:latin typeface="Arial"/>
+              <a:ea typeface="Calibri"/>
+              <a:cs typeface="Times New Roman"/>
+            </a:endParaRPr>
+          </a:p>
+          <a:p>
+            <a:pPr>
+              <a:lnSpc>
+                <a:spcPct val="115000"/>
+              </a:lnSpc>
+              <a:spcAft>
+                <a:spcPts val="1000"/>
+              </a:spcAft>
+            </a:pPr>
+            <a:r>
+              <a:rPr lang="en-US" sz="1000" b="1" dirty="0">
+                <a:latin typeface="Arial"/>
+                <a:ea typeface="Calibri"/>
+                <a:cs typeface="Times New Roman"/>
+              </a:rPr>
+              <a:t>Question</a:t>
+            </a:r>
+            <a:endParaRPr lang="en-US" sz="1000" dirty="0">
+              <a:latin typeface="Arial"/>
+              <a:ea typeface="Calibri"/>
+              <a:cs typeface="Times New Roman"/>
+            </a:endParaRPr>
+          </a:p>
+          <a:p>
+            <a:pPr>
+              <a:lnSpc>
+                <a:spcPct val="115000"/>
+              </a:lnSpc>
+              <a:spcAft>
+                <a:spcPts val="1000"/>
+              </a:spcAft>
+            </a:pPr>
+            <a:r>
+              <a:rPr lang="en-US" sz="1000" dirty="0">
+                <a:latin typeface="Arial"/>
+                <a:ea typeface="Calibri"/>
+                <a:cs typeface="Times New Roman"/>
+              </a:rPr>
+              <a:t>Why do you have sections in a layout?</a:t>
+            </a:r>
+          </a:p>
+          <a:p>
+            <a:pPr>
+              <a:lnSpc>
+                <a:spcPct val="115000"/>
+              </a:lnSpc>
+              <a:spcAft>
+                <a:spcPts val="1000"/>
+              </a:spcAft>
+            </a:pPr>
+            <a:r>
+              <a:rPr lang="en-US" sz="1000" b="1" dirty="0">
+                <a:latin typeface="Arial"/>
+                <a:ea typeface="Calibri"/>
+                <a:cs typeface="Times New Roman"/>
+              </a:rPr>
+              <a:t>Answer</a:t>
+            </a:r>
+            <a:endParaRPr lang="en-US" sz="1000" dirty="0">
+              <a:latin typeface="Arial"/>
+              <a:ea typeface="Calibri"/>
+              <a:cs typeface="Times New Roman"/>
+            </a:endParaRPr>
+          </a:p>
+          <a:p>
+            <a:pPr>
+              <a:lnSpc>
+                <a:spcPct val="115000"/>
+              </a:lnSpc>
+              <a:spcAft>
+                <a:spcPts val="1000"/>
+              </a:spcAft>
+            </a:pPr>
+            <a:r>
+              <a:rPr lang="en-US" sz="1000" dirty="0">
+                <a:latin typeface="Arial"/>
+                <a:ea typeface="Calibri"/>
+                <a:cs typeface="Times New Roman"/>
+              </a:rPr>
+              <a:t>A section is a region of content within a layout. It is a placeholder within a layout that allows a view to insert content. </a:t>
+            </a:r>
+          </a:p>
+          <a:p>
+            <a:pPr>
+              <a:lnSpc>
+                <a:spcPct val="115000"/>
+              </a:lnSpc>
+              <a:spcAft>
+                <a:spcPts val="1000"/>
+              </a:spcAft>
+            </a:pPr>
+            <a:r>
+              <a:rPr lang="en-US" sz="1000" b="1" dirty="0">
+                <a:latin typeface="Arial"/>
+                <a:ea typeface="Calibri"/>
+                <a:cs typeface="Times New Roman"/>
+              </a:rPr>
+              <a:t>Best Practices</a:t>
+            </a:r>
+          </a:p>
+          <a:p>
+            <a:pPr marL="171450" indent="-171450">
+              <a:lnSpc>
+                <a:spcPct val="115000"/>
+              </a:lnSpc>
+              <a:spcAft>
+                <a:spcPts val="1000"/>
+              </a:spcAft>
+              <a:buSzPct val="150000"/>
+              <a:buFont typeface="Arial" panose="020B0604020202020204" pitchFamily="34" charset="0"/>
+              <a:buChar char="•"/>
+            </a:pPr>
+            <a:r>
+              <a:rPr lang="en-US" sz="1000" dirty="0">
+                <a:latin typeface="Arial"/>
+                <a:ea typeface="Calibri"/>
+                <a:cs typeface="Times New Roman"/>
+              </a:rPr>
+              <a:t>Use </a:t>
+            </a:r>
+            <a:r>
+              <a:rPr lang="en-US" sz="1000" dirty="0" err="1">
+                <a:latin typeface="Arial"/>
+                <a:ea typeface="Calibri"/>
+                <a:cs typeface="Times New Roman"/>
+              </a:rPr>
+              <a:t>npm</a:t>
+            </a:r>
+            <a:r>
+              <a:rPr lang="en-US" sz="1000" dirty="0">
+                <a:latin typeface="Arial"/>
+                <a:ea typeface="Calibri"/>
+                <a:cs typeface="Times New Roman"/>
+              </a:rPr>
+              <a:t> to add </a:t>
+            </a:r>
+            <a:r>
+              <a:rPr lang="en-US" sz="1000" dirty="0">
+                <a:latin typeface="Arial"/>
+                <a:ea typeface="Calibri"/>
+                <a:cs typeface="Arial"/>
+              </a:rPr>
+              <a:t>client-side</a:t>
+            </a:r>
+            <a:r>
+              <a:rPr lang="en-US" sz="1000" dirty="0">
+                <a:latin typeface="Arial"/>
+                <a:ea typeface="Calibri"/>
+                <a:cs typeface="Times New Roman"/>
+              </a:rPr>
+              <a:t> libraries to your application. Avoid installing client-side libraries by using the </a:t>
+            </a:r>
+            <a:r>
+              <a:rPr lang="en-US" sz="1000" dirty="0" err="1">
+                <a:latin typeface="Arial"/>
+                <a:ea typeface="Calibri"/>
+                <a:cs typeface="Times New Roman"/>
+              </a:rPr>
+              <a:t>NuGet</a:t>
+            </a:r>
+            <a:r>
+              <a:rPr lang="en-US" sz="1000" dirty="0">
+                <a:latin typeface="Arial"/>
+                <a:ea typeface="Calibri"/>
+                <a:cs typeface="Times New Roman"/>
+              </a:rPr>
+              <a:t> packages manager. </a:t>
+            </a:r>
+          </a:p>
+          <a:p>
+            <a:pPr marL="171450" indent="-171450">
+              <a:lnSpc>
+                <a:spcPct val="115000"/>
+              </a:lnSpc>
+              <a:spcAft>
+                <a:spcPts val="1000"/>
+              </a:spcAft>
+              <a:buSzPct val="150000"/>
+              <a:buFont typeface="Arial" panose="020B0604020202020204" pitchFamily="34" charset="0"/>
+              <a:buChar char="•"/>
+            </a:pPr>
+            <a:r>
+              <a:rPr lang="en-US" sz="1000" dirty="0">
+                <a:latin typeface="Arial"/>
+                <a:ea typeface="Calibri"/>
+                <a:cs typeface="Times New Roman"/>
+              </a:rPr>
+              <a:t>When using a CDN to add scripts to your application, create a fallback in case the script is not available on the CDN.</a:t>
+            </a:r>
+          </a:p>
+          <a:p>
+            <a:pPr>
+              <a:lnSpc>
+                <a:spcPct val="115000"/>
+              </a:lnSpc>
+              <a:spcAft>
+                <a:spcPts val="1000"/>
+              </a:spcAft>
+            </a:pPr>
+            <a:r>
+              <a:rPr lang="en-US" sz="1000" b="1" dirty="0">
+                <a:latin typeface="Arial"/>
+                <a:ea typeface="Calibri"/>
+                <a:cs typeface="Times New Roman"/>
+              </a:rPr>
+              <a:t>Common Issues and Troubleshooting Tips</a:t>
+            </a:r>
+            <a:endParaRPr lang="en-US" sz="1000" dirty="0">
+              <a:latin typeface="Arial"/>
+              <a:ea typeface="Calibri"/>
+              <a:cs typeface="Times New Roman"/>
+            </a:endParaRPr>
+          </a:p>
+          <a:p>
+            <a:pPr>
+              <a:lnSpc>
+                <a:spcPct val="115000"/>
+              </a:lnSpc>
+              <a:spcAft>
+                <a:spcPts val="1000"/>
+              </a:spcAft>
+            </a:pPr>
+            <a:r>
+              <a:rPr lang="en-US" sz="1000" b="1" dirty="0">
+                <a:latin typeface="Arial"/>
+                <a:ea typeface="Calibri"/>
+                <a:cs typeface="Times New Roman"/>
+              </a:rPr>
+              <a:t>Common Issue: </a:t>
+            </a:r>
+            <a:r>
+              <a:rPr lang="en-US" sz="1000" dirty="0">
+                <a:latin typeface="Arial"/>
+                <a:ea typeface="Calibri"/>
+                <a:cs typeface="Times New Roman"/>
+              </a:rPr>
+              <a:t>You get an error that indicates that a script you want to use is not loaded to your application.</a:t>
+            </a:r>
+          </a:p>
+          <a:p>
+            <a:pPr>
+              <a:lnSpc>
+                <a:spcPct val="115000"/>
+              </a:lnSpc>
+              <a:spcAft>
+                <a:spcPts val="1000"/>
+              </a:spcAft>
+            </a:pPr>
+            <a:r>
+              <a:rPr lang="en-US" sz="1000" b="1" dirty="0">
+                <a:latin typeface="Arial"/>
+                <a:ea typeface="Calibri"/>
+                <a:cs typeface="Times New Roman"/>
+              </a:rPr>
+              <a:t>Troubleshooting Tip: </a:t>
+            </a:r>
+            <a:r>
+              <a:rPr lang="en-US" sz="1000" dirty="0">
+                <a:latin typeface="Arial"/>
+                <a:ea typeface="Calibri"/>
+                <a:cs typeface="Times New Roman"/>
+              </a:rPr>
+              <a:t>Ensure you added the script to the layout or to the correct view. Then check that the script location is correct and that the script URL corresponds to its' location. If you are using CDN check that the CDN is available.</a:t>
+            </a:r>
+            <a:r>
+              <a:rPr lang="en-US" sz="1000" dirty="0">
+                <a:solidFill>
+                  <a:srgbClr val="000000"/>
+                </a:solidFill>
+                <a:latin typeface="Arial"/>
+                <a:ea typeface="Calibri"/>
+                <a:cs typeface="Times New Roman"/>
+              </a:rPr>
+              <a:t> Finally, try clearing the cache in the browser.</a:t>
+            </a:r>
+          </a:p>
+          <a:p>
+            <a:pPr>
+              <a:lnSpc>
+                <a:spcPct val="115000"/>
+              </a:lnSpc>
+              <a:spcAft>
+                <a:spcPts val="1000"/>
+              </a:spcAft>
+            </a:pPr>
+            <a:r>
+              <a:rPr lang="en-IN" sz="1000" b="1" dirty="0">
+                <a:latin typeface="Arial" panose="020B0604020202020204" pitchFamily="34" charset="0"/>
+                <a:cs typeface="Arial" panose="020B0604020202020204" pitchFamily="34" charset="0"/>
+              </a:rPr>
+              <a:t>Note: </a:t>
+            </a:r>
+            <a:r>
+              <a:rPr lang="en-IN" sz="1000" dirty="0">
+                <a:latin typeface="Arial" panose="020B0604020202020204" pitchFamily="34" charset="0"/>
+                <a:cs typeface="Arial" panose="020B0604020202020204" pitchFamily="34" charset="0"/>
+              </a:rPr>
+              <a:t>Ensure that you cover the common issues and the corresponding troubleshooting tips listed in this section. Encourage students to share tips from their own work environments.</a:t>
+            </a:r>
+            <a:endParaRPr lang="en-US" sz="1000" dirty="0">
+              <a:latin typeface="Arial" panose="020B0604020202020204" pitchFamily="34" charset="0"/>
+              <a:ea typeface="Calibri"/>
+              <a:cs typeface="Arial" panose="020B0604020202020204" pitchFamily="34" charset="0"/>
+            </a:endParaRPr>
           </a:p>
         </p:txBody>
       </p:sp>
@@ -4949,1148 +5272,6 @@
             <a:fld id="{4A7128C8-95F5-4A96-80D7-20E0551865EA}" type="slidenum">
               <a:rPr lang="en-US" smtClean="0"/>
               <a:t>21</a:t>
-            </a:fld>
-            <a:endParaRPr lang="en-US"/>
-          </a:p>
-        </p:txBody>
-      </p:sp>
-      <p:sp>
-        <p:nvSpPr>
-          <p:cNvPr id="5" name="Rectangle 4"/>
-          <p:cNvSpPr/>
-          <p:nvPr/>
-        </p:nvSpPr>
-        <p:spPr>
-          <a:xfrm>
-            <a:off x="0" y="0"/>
-            <a:ext cx="3038475" cy="222250"/>
-          </a:xfrm>
-          <a:prstGeom prst="rect">
-            <a:avLst/>
-          </a:prstGeom>
-          <a:noFill/>
-          <a:ln w="25400" cap="flat" cmpd="sng" algn="ctr">
-            <a:noFill/>
-            <a:prstDash val="solid"/>
-          </a:ln>
-          <a:effectLst/>
-          <a:extLst>
-            <a:ext uri="{909E8E84-426E-40DD-AFC4-6F175D3DCCD1}">
-              <a14:hiddenFill xmlns:a14="http://schemas.microsoft.com/office/drawing/2010/main">
-                <a:solidFill>
-                  <a:schemeClr val="accent1"/>
-                </a:solidFill>
-              </a14:hiddenFill>
-            </a:ext>
-            <a:ext uri="{91240B29-F687-4F45-9708-019B960494DF}">
-              <a14:hiddenLine xmlns:a14="http://schemas.microsoft.com/office/drawing/2010/main" w="25400" cap="flat" cmpd="sng" algn="ctr">
-                <a:solidFill>
-                  <a:schemeClr val="accent1">
-                    <a:shade val="50000"/>
-                  </a:schemeClr>
-                </a:solidFill>
-                <a:prstDash val="solid"/>
-              </a14:hiddenLine>
-            </a:ext>
-          </a:extLst>
-        </p:spPr>
-        <p:style>
-          <a:lnRef idx="2">
-            <a:schemeClr val="accent1">
-              <a:shade val="50000"/>
-            </a:schemeClr>
-          </a:lnRef>
-          <a:fillRef idx="1">
-            <a:schemeClr val="accent1"/>
-          </a:fillRef>
-          <a:effectRef idx="0">
-            <a:schemeClr val="accent1"/>
-          </a:effectRef>
-          <a:fontRef idx="minor">
-            <a:schemeClr val="lt1"/>
-          </a:fontRef>
-        </p:style>
-        <p:txBody>
-          <a:bodyPr rtlCol="0" anchor="ctr"/>
-          <a:lstStyle/>
-          <a:p>
-            <a:r>
-              <a:rPr lang="en-US" sz="1200" b="1">
-                <a:solidFill>
-                  <a:srgbClr val="000000"/>
-                </a:solidFill>
-                <a:latin typeface="Arial"/>
-              </a:rPr>
-              <a:t>20486D</a:t>
-            </a:r>
-          </a:p>
-        </p:txBody>
-      </p:sp>
-      <p:sp>
-        <p:nvSpPr>
-          <p:cNvPr id="6" name="Rectangle 5"/>
-          <p:cNvSpPr/>
-          <p:nvPr/>
-        </p:nvSpPr>
-        <p:spPr>
-          <a:xfrm>
-            <a:off x="0" y="238125"/>
-            <a:ext cx="3038475" cy="347663"/>
-          </a:xfrm>
-          <a:prstGeom prst="rect">
-            <a:avLst/>
-          </a:prstGeom>
-          <a:noFill/>
-          <a:ln w="25400" cap="flat" cmpd="sng" algn="ctr">
-            <a:noFill/>
-            <a:prstDash val="solid"/>
-          </a:ln>
-          <a:effectLst/>
-          <a:extLst>
-            <a:ext uri="{909E8E84-426E-40DD-AFC4-6F175D3DCCD1}">
-              <a14:hiddenFill xmlns:a14="http://schemas.microsoft.com/office/drawing/2010/main">
-                <a:solidFill>
-                  <a:schemeClr val="accent1"/>
-                </a:solidFill>
-              </a14:hiddenFill>
-            </a:ext>
-            <a:ext uri="{91240B29-F687-4F45-9708-019B960494DF}">
-              <a14:hiddenLine xmlns:a14="http://schemas.microsoft.com/office/drawing/2010/main" w="25400" cap="flat" cmpd="sng" algn="ctr">
-                <a:solidFill>
-                  <a:schemeClr val="accent1">
-                    <a:shade val="50000"/>
-                  </a:schemeClr>
-                </a:solidFill>
-                <a:prstDash val="solid"/>
-              </a14:hiddenLine>
-            </a:ext>
-          </a:extLst>
-        </p:spPr>
-        <p:style>
-          <a:lnRef idx="2">
-            <a:schemeClr val="accent1">
-              <a:shade val="50000"/>
-            </a:schemeClr>
-          </a:lnRef>
-          <a:fillRef idx="1">
-            <a:schemeClr val="accent1"/>
-          </a:fillRef>
-          <a:effectRef idx="0">
-            <a:schemeClr val="accent1"/>
-          </a:effectRef>
-          <a:fontRef idx="minor">
-            <a:schemeClr val="lt1"/>
-          </a:fontRef>
-        </p:style>
-        <p:txBody>
-          <a:bodyPr rtlCol="0" anchor="ctr"/>
-          <a:lstStyle/>
-          <a:p>
-            <a:r>
-              <a:rPr lang="en-US" sz="1200" b="1">
-                <a:solidFill>
-                  <a:srgbClr val="336699"/>
-                </a:solidFill>
-                <a:latin typeface="Arial"/>
-              </a:rPr>
-              <a:t>08: Using Layouts, CSS and JavaScript in ASP.NET Core MVC</a:t>
-            </a:r>
-          </a:p>
-        </p:txBody>
-      </p:sp>
-    </p:spTree>
-    <p:extLst>
-      <p:ext uri="{BB962C8B-B14F-4D97-AF65-F5344CB8AC3E}">
-        <p14:creationId xmlns:p14="http://schemas.microsoft.com/office/powerpoint/2010/main" val="3819781620"/>
-      </p:ext>
-    </p:extLst>
-  </p:cSld>
-  <p:clrMapOvr>
-    <a:masterClrMapping/>
-  </p:clrMapOvr>
-</p:notes>
-</file>
-
-<file path=ppt/notesSlides/notesSlide22.xml><?xml version="1.0" encoding="utf-8"?>
-<p:notes xmlns:a="http://schemas.openxmlformats.org/drawingml/2006/main" xmlns:r="http://schemas.openxmlformats.org/officeDocument/2006/relationships" xmlns:p="http://schemas.openxmlformats.org/presentationml/2006/main">
-  <p:cSld>
-    <p:spTree>
-      <p:nvGrpSpPr>
-        <p:cNvPr id="1" name=""/>
-        <p:cNvGrpSpPr/>
-        <p:nvPr/>
-      </p:nvGrpSpPr>
-      <p:grpSpPr>
-        <a:xfrm>
-          <a:off x="0" y="0"/>
-          <a:ext cx="0" cy="0"/>
-          <a:chOff x="0" y="0"/>
-          <a:chExt cx="0" cy="0"/>
-        </a:xfrm>
-      </p:grpSpPr>
-      <p:sp>
-        <p:nvSpPr>
-          <p:cNvPr id="2" name="Slide Image Placeholder 1"/>
-          <p:cNvSpPr>
-            <a:spLocks noGrp="1" noRot="1" noChangeAspect="1"/>
-          </p:cNvSpPr>
-          <p:nvPr>
-            <p:ph type="sldImg"/>
-          </p:nvPr>
-        </p:nvSpPr>
-        <p:spPr>
-          <a:xfrm>
-            <a:off x="3914775" y="73025"/>
-            <a:ext cx="3289300" cy="1851025"/>
-          </a:xfrm>
-        </p:spPr>
-      </p:sp>
-      <p:sp>
-        <p:nvSpPr>
-          <p:cNvPr id="3" name="Notes Placeholder 2"/>
-          <p:cNvSpPr>
-            <a:spLocks noGrp="1"/>
-          </p:cNvSpPr>
-          <p:nvPr>
-            <p:ph type="body" idx="1"/>
-          </p:nvPr>
-        </p:nvSpPr>
-        <p:spPr>
-          <a:xfrm>
-            <a:off x="310896" y="2093975"/>
-            <a:ext cx="6153912" cy="6604000"/>
-          </a:xfrm>
-        </p:spPr>
-        <p:txBody>
-          <a:bodyPr>
-            <a:noAutofit/>
-          </a:bodyPr>
-          <a:lstStyle/>
-          <a:p>
-            <a:pPr>
-              <a:lnSpc>
-                <a:spcPct val="115000"/>
-              </a:lnSpc>
-              <a:spcAft>
-                <a:spcPts val="1000"/>
-              </a:spcAft>
-            </a:pPr>
-            <a:r>
-              <a:rPr lang="en-US" sz="1000" b="1" dirty="0">
-                <a:latin typeface="Arial"/>
-                <a:ea typeface="Calibri"/>
-                <a:cs typeface="Times New Roman"/>
-              </a:rPr>
-              <a:t>Question</a:t>
-            </a:r>
-            <a:endParaRPr lang="en-US" sz="1000" dirty="0">
-              <a:latin typeface="Arial"/>
-              <a:ea typeface="Calibri"/>
-              <a:cs typeface="Times New Roman"/>
-            </a:endParaRPr>
-          </a:p>
-          <a:p>
-            <a:pPr>
-              <a:lnSpc>
-                <a:spcPct val="115000"/>
-              </a:lnSpc>
-              <a:spcAft>
-                <a:spcPts val="1000"/>
-              </a:spcAft>
-            </a:pPr>
-            <a:r>
-              <a:rPr lang="en-US" sz="1000" dirty="0">
-                <a:latin typeface="Arial"/>
-                <a:ea typeface="Calibri"/>
-                <a:cs typeface="Times New Roman"/>
-              </a:rPr>
-              <a:t>How did you apply the same layout to all the views in the web application?</a:t>
-            </a:r>
-          </a:p>
-          <a:p>
-            <a:pPr>
-              <a:lnSpc>
-                <a:spcPct val="115000"/>
-              </a:lnSpc>
-              <a:spcAft>
-                <a:spcPts val="1000"/>
-              </a:spcAft>
-            </a:pPr>
-            <a:r>
-              <a:rPr lang="en-US" sz="1000" b="1" dirty="0">
-                <a:latin typeface="Arial"/>
-                <a:ea typeface="Calibri"/>
-                <a:cs typeface="Times New Roman"/>
-              </a:rPr>
-              <a:t>Answer</a:t>
-            </a:r>
-            <a:endParaRPr lang="en-US" sz="1000" dirty="0">
-              <a:latin typeface="Arial"/>
-              <a:ea typeface="Calibri"/>
-              <a:cs typeface="Times New Roman"/>
-            </a:endParaRPr>
-          </a:p>
-          <a:p>
-            <a:pPr>
-              <a:lnSpc>
-                <a:spcPct val="115000"/>
-              </a:lnSpc>
-              <a:spcAft>
-                <a:spcPts val="1000"/>
-              </a:spcAft>
-            </a:pPr>
-            <a:r>
-              <a:rPr lang="en-US" sz="1000" dirty="0">
-                <a:latin typeface="Arial"/>
-                <a:ea typeface="Calibri"/>
-                <a:cs typeface="Times New Roman"/>
-              </a:rPr>
-              <a:t>To apply the same layout to all the views in the web application you added a </a:t>
-            </a:r>
-            <a:r>
-              <a:rPr lang="en-US" sz="1000" b="1" dirty="0">
-                <a:latin typeface="Arial"/>
-                <a:ea typeface="Calibri"/>
-                <a:cs typeface="Times New Roman"/>
-              </a:rPr>
-              <a:t>_</a:t>
-            </a:r>
-            <a:r>
-              <a:rPr lang="en-US" sz="1000" b="1" dirty="0" err="1">
-                <a:latin typeface="Arial"/>
-                <a:ea typeface="Calibri"/>
-                <a:cs typeface="Times New Roman"/>
-              </a:rPr>
-              <a:t>ViewStart.cshtml</a:t>
-            </a:r>
-            <a:r>
-              <a:rPr lang="en-US" sz="1000" dirty="0">
-                <a:latin typeface="Arial"/>
-                <a:ea typeface="Calibri"/>
-                <a:cs typeface="Times New Roman"/>
-              </a:rPr>
-              <a:t> file to the </a:t>
-            </a:r>
-            <a:r>
-              <a:rPr lang="en-US" sz="1000" b="1" dirty="0">
-                <a:latin typeface="Arial"/>
-                <a:ea typeface="Calibri"/>
-                <a:cs typeface="Times New Roman"/>
-              </a:rPr>
-              <a:t>Views</a:t>
-            </a:r>
-            <a:r>
-              <a:rPr lang="en-US" sz="1000" dirty="0">
-                <a:latin typeface="Arial"/>
-                <a:ea typeface="Calibri"/>
-                <a:cs typeface="Times New Roman"/>
-              </a:rPr>
-              <a:t> folder. Inside the </a:t>
-            </a:r>
-            <a:r>
-              <a:rPr lang="en-US" sz="1000" b="1" dirty="0">
-                <a:latin typeface="Arial"/>
-                <a:ea typeface="Calibri"/>
-                <a:cs typeface="Times New Roman"/>
-              </a:rPr>
-              <a:t>_</a:t>
-            </a:r>
-            <a:r>
-              <a:rPr lang="en-US" sz="1000" b="1" dirty="0" err="1">
-                <a:latin typeface="Arial"/>
-                <a:ea typeface="Calibri"/>
-                <a:cs typeface="Times New Roman"/>
-              </a:rPr>
-              <a:t>ViewStart.cshtml</a:t>
-            </a:r>
-            <a:r>
-              <a:rPr lang="en-US" sz="1000" dirty="0">
-                <a:latin typeface="Arial"/>
-                <a:ea typeface="Calibri"/>
-                <a:cs typeface="Times New Roman"/>
-              </a:rPr>
-              <a:t> file, you assigned the path of the layout file location to the </a:t>
-            </a:r>
-            <a:r>
-              <a:rPr lang="en-US" sz="1000" b="1" dirty="0">
-                <a:latin typeface="Arial"/>
-                <a:ea typeface="Calibri"/>
-                <a:cs typeface="Times New Roman"/>
-              </a:rPr>
-              <a:t>Layout</a:t>
-            </a:r>
-            <a:r>
-              <a:rPr lang="en-US" sz="1000" dirty="0">
-                <a:latin typeface="Arial"/>
-                <a:ea typeface="Calibri"/>
-                <a:cs typeface="Times New Roman"/>
-              </a:rPr>
-              <a:t> property. Notice that you also need to remove the </a:t>
-            </a:r>
-            <a:r>
-              <a:rPr lang="en-US" sz="1000" b="1" dirty="0">
-                <a:latin typeface="Arial"/>
-                <a:ea typeface="Calibri"/>
-                <a:cs typeface="Times New Roman"/>
-              </a:rPr>
-              <a:t>Layout</a:t>
-            </a:r>
-            <a:r>
-              <a:rPr lang="en-US" sz="1000" dirty="0">
-                <a:latin typeface="Arial"/>
-                <a:ea typeface="Calibri"/>
-                <a:cs typeface="Times New Roman"/>
-              </a:rPr>
-              <a:t> property assignment in a view so the settings in the </a:t>
-            </a:r>
-            <a:r>
-              <a:rPr lang="en-US" sz="1000" b="1" dirty="0" err="1">
-                <a:latin typeface="Arial"/>
-                <a:ea typeface="Calibri"/>
-                <a:cs typeface="Times New Roman"/>
-              </a:rPr>
-              <a:t>ViewStart.cshtml</a:t>
-            </a:r>
-            <a:r>
-              <a:rPr lang="en-US" sz="1000" dirty="0">
-                <a:latin typeface="Arial"/>
-                <a:ea typeface="Calibri"/>
-                <a:cs typeface="Times New Roman"/>
-              </a:rPr>
-              <a:t> file will take effect for this view.</a:t>
-            </a:r>
-          </a:p>
-          <a:p>
-            <a:pPr>
-              <a:lnSpc>
-                <a:spcPct val="115000"/>
-              </a:lnSpc>
-              <a:spcAft>
-                <a:spcPts val="1000"/>
-              </a:spcAft>
-            </a:pPr>
-            <a:r>
-              <a:rPr lang="en-US" sz="1000" b="1" dirty="0">
-                <a:latin typeface="Arial"/>
-                <a:ea typeface="Calibri"/>
-                <a:cs typeface="Times New Roman"/>
-              </a:rPr>
-              <a:t>Question</a:t>
-            </a:r>
-            <a:endParaRPr lang="en-US" sz="1000" dirty="0">
-              <a:latin typeface="Arial"/>
-              <a:ea typeface="Calibri"/>
-              <a:cs typeface="Times New Roman"/>
-            </a:endParaRPr>
-          </a:p>
-          <a:p>
-            <a:pPr>
-              <a:lnSpc>
-                <a:spcPct val="115000"/>
-              </a:lnSpc>
-              <a:spcAft>
-                <a:spcPts val="1000"/>
-              </a:spcAft>
-            </a:pPr>
-            <a:r>
-              <a:rPr lang="en-US" sz="1000" dirty="0">
-                <a:latin typeface="Arial"/>
-                <a:ea typeface="Calibri"/>
-                <a:cs typeface="Times New Roman"/>
-              </a:rPr>
-              <a:t>Your development team has decided to use a new client-side package in the zoo web application. You were asked by your manager to add the client-side package in a similar way to the client-side packages that already exist in the zoo web application. How would you add the client-side package?</a:t>
-            </a:r>
-          </a:p>
-          <a:p>
-            <a:pPr>
-              <a:lnSpc>
-                <a:spcPct val="115000"/>
-              </a:lnSpc>
-              <a:spcAft>
-                <a:spcPts val="1000"/>
-              </a:spcAft>
-            </a:pPr>
-            <a:r>
-              <a:rPr lang="en-US" sz="1000" b="1" dirty="0">
-                <a:latin typeface="Arial"/>
-                <a:ea typeface="Calibri"/>
-                <a:cs typeface="Times New Roman"/>
-              </a:rPr>
-              <a:t>Answer</a:t>
-            </a:r>
-            <a:endParaRPr lang="en-US" sz="1000" dirty="0">
-              <a:latin typeface="Arial"/>
-              <a:ea typeface="Calibri"/>
-              <a:cs typeface="Times New Roman"/>
-            </a:endParaRPr>
-          </a:p>
-          <a:p>
-            <a:pPr>
-              <a:lnSpc>
-                <a:spcPct val="115000"/>
-              </a:lnSpc>
-              <a:spcAft>
-                <a:spcPts val="1000"/>
-              </a:spcAft>
-            </a:pPr>
-            <a:r>
-              <a:rPr lang="en-US" sz="1000" dirty="0">
-                <a:latin typeface="Arial"/>
-                <a:ea typeface="Calibri"/>
-                <a:cs typeface="Times New Roman"/>
-              </a:rPr>
-              <a:t>To add the new client-side package, you should first update the </a:t>
-            </a:r>
-            <a:r>
-              <a:rPr lang="en-US" sz="1000" b="1" dirty="0">
-                <a:latin typeface="Arial"/>
-                <a:ea typeface="Calibri"/>
-                <a:cs typeface="Times New Roman"/>
-              </a:rPr>
-              <a:t>dependencies</a:t>
-            </a:r>
-            <a:r>
-              <a:rPr lang="en-US" sz="1000" dirty="0">
-                <a:latin typeface="Arial"/>
-                <a:ea typeface="Calibri"/>
-                <a:cs typeface="Times New Roman"/>
-              </a:rPr>
-              <a:t> object in the </a:t>
-            </a:r>
-            <a:r>
-              <a:rPr lang="en-US" sz="1000" b="1" dirty="0" err="1">
-                <a:latin typeface="Arial"/>
-                <a:ea typeface="Calibri"/>
-                <a:cs typeface="Times New Roman"/>
-              </a:rPr>
-              <a:t>package.json</a:t>
-            </a:r>
-            <a:r>
-              <a:rPr lang="en-US" sz="1000" dirty="0">
-                <a:latin typeface="Arial"/>
-                <a:ea typeface="Calibri"/>
-                <a:cs typeface="Times New Roman"/>
-              </a:rPr>
-              <a:t> file. After you save the </a:t>
-            </a:r>
-            <a:r>
-              <a:rPr lang="en-US" sz="1000" b="1" dirty="0" err="1">
-                <a:latin typeface="Arial"/>
-                <a:ea typeface="Calibri"/>
-                <a:cs typeface="Times New Roman"/>
-              </a:rPr>
-              <a:t>package.json</a:t>
-            </a:r>
-            <a:r>
-              <a:rPr lang="en-US" sz="1000" dirty="0">
-                <a:latin typeface="Arial"/>
-                <a:ea typeface="Calibri"/>
-                <a:cs typeface="Times New Roman"/>
-              </a:rPr>
-              <a:t> file, the package is added to the </a:t>
-            </a:r>
-            <a:r>
-              <a:rPr lang="en-US" sz="1000" b="1" dirty="0" err="1">
-                <a:latin typeface="Arial"/>
-                <a:ea typeface="Calibri"/>
-                <a:cs typeface="Times New Roman"/>
-              </a:rPr>
-              <a:t>node_modules</a:t>
-            </a:r>
-            <a:r>
-              <a:rPr lang="en-US" sz="1000" dirty="0">
-                <a:latin typeface="Arial"/>
-                <a:ea typeface="Calibri"/>
-                <a:cs typeface="Times New Roman"/>
-              </a:rPr>
-              <a:t> folder of the web application. </a:t>
-            </a:r>
-          </a:p>
-        </p:txBody>
-      </p:sp>
-      <p:sp>
-        <p:nvSpPr>
-          <p:cNvPr id="4" name="Slide Number Placeholder 3"/>
-          <p:cNvSpPr>
-            <a:spLocks noGrp="1"/>
-          </p:cNvSpPr>
-          <p:nvPr>
-            <p:ph type="sldNum" sz="quarter" idx="10"/>
-          </p:nvPr>
-        </p:nvSpPr>
-        <p:spPr/>
-        <p:txBody>
-          <a:bodyPr/>
-          <a:lstStyle/>
-          <a:p>
-            <a:fld id="{4A7128C8-95F5-4A96-80D7-20E0551865EA}" type="slidenum">
-              <a:rPr lang="en-US" smtClean="0"/>
-              <a:t>22</a:t>
-            </a:fld>
-            <a:endParaRPr lang="en-US"/>
-          </a:p>
-        </p:txBody>
-      </p:sp>
-      <p:sp>
-        <p:nvSpPr>
-          <p:cNvPr id="5" name="Rectangle 4"/>
-          <p:cNvSpPr/>
-          <p:nvPr/>
-        </p:nvSpPr>
-        <p:spPr>
-          <a:xfrm>
-            <a:off x="0" y="0"/>
-            <a:ext cx="3038475" cy="222250"/>
-          </a:xfrm>
-          <a:prstGeom prst="rect">
-            <a:avLst/>
-          </a:prstGeom>
-          <a:noFill/>
-          <a:ln w="25400" cap="flat" cmpd="sng" algn="ctr">
-            <a:noFill/>
-            <a:prstDash val="solid"/>
-          </a:ln>
-          <a:effectLst/>
-          <a:extLst>
-            <a:ext uri="{909E8E84-426E-40DD-AFC4-6F175D3DCCD1}">
-              <a14:hiddenFill xmlns:a14="http://schemas.microsoft.com/office/drawing/2010/main">
-                <a:solidFill>
-                  <a:schemeClr val="accent1"/>
-                </a:solidFill>
-              </a14:hiddenFill>
-            </a:ext>
-            <a:ext uri="{91240B29-F687-4F45-9708-019B960494DF}">
-              <a14:hiddenLine xmlns:a14="http://schemas.microsoft.com/office/drawing/2010/main" w="25400" cap="flat" cmpd="sng" algn="ctr">
-                <a:solidFill>
-                  <a:schemeClr val="accent1">
-                    <a:shade val="50000"/>
-                  </a:schemeClr>
-                </a:solidFill>
-                <a:prstDash val="solid"/>
-              </a14:hiddenLine>
-            </a:ext>
-          </a:extLst>
-        </p:spPr>
-        <p:style>
-          <a:lnRef idx="2">
-            <a:schemeClr val="accent1">
-              <a:shade val="50000"/>
-            </a:schemeClr>
-          </a:lnRef>
-          <a:fillRef idx="1">
-            <a:schemeClr val="accent1"/>
-          </a:fillRef>
-          <a:effectRef idx="0">
-            <a:schemeClr val="accent1"/>
-          </a:effectRef>
-          <a:fontRef idx="minor">
-            <a:schemeClr val="lt1"/>
-          </a:fontRef>
-        </p:style>
-        <p:txBody>
-          <a:bodyPr rtlCol="0" anchor="ctr"/>
-          <a:lstStyle/>
-          <a:p>
-            <a:r>
-              <a:rPr lang="en-US" sz="1200" b="1">
-                <a:solidFill>
-                  <a:srgbClr val="000000"/>
-                </a:solidFill>
-                <a:latin typeface="Arial"/>
-              </a:rPr>
-              <a:t>20486D</a:t>
-            </a:r>
-          </a:p>
-        </p:txBody>
-      </p:sp>
-      <p:sp>
-        <p:nvSpPr>
-          <p:cNvPr id="6" name="Rectangle 5"/>
-          <p:cNvSpPr/>
-          <p:nvPr/>
-        </p:nvSpPr>
-        <p:spPr>
-          <a:xfrm>
-            <a:off x="0" y="238125"/>
-            <a:ext cx="3038475" cy="347663"/>
-          </a:xfrm>
-          <a:prstGeom prst="rect">
-            <a:avLst/>
-          </a:prstGeom>
-          <a:noFill/>
-          <a:ln w="25400" cap="flat" cmpd="sng" algn="ctr">
-            <a:noFill/>
-            <a:prstDash val="solid"/>
-          </a:ln>
-          <a:effectLst/>
-          <a:extLst>
-            <a:ext uri="{909E8E84-426E-40DD-AFC4-6F175D3DCCD1}">
-              <a14:hiddenFill xmlns:a14="http://schemas.microsoft.com/office/drawing/2010/main">
-                <a:solidFill>
-                  <a:schemeClr val="accent1"/>
-                </a:solidFill>
-              </a14:hiddenFill>
-            </a:ext>
-            <a:ext uri="{91240B29-F687-4F45-9708-019B960494DF}">
-              <a14:hiddenLine xmlns:a14="http://schemas.microsoft.com/office/drawing/2010/main" w="25400" cap="flat" cmpd="sng" algn="ctr">
-                <a:solidFill>
-                  <a:schemeClr val="accent1">
-                    <a:shade val="50000"/>
-                  </a:schemeClr>
-                </a:solidFill>
-                <a:prstDash val="solid"/>
-              </a14:hiddenLine>
-            </a:ext>
-          </a:extLst>
-        </p:spPr>
-        <p:style>
-          <a:lnRef idx="2">
-            <a:schemeClr val="accent1">
-              <a:shade val="50000"/>
-            </a:schemeClr>
-          </a:lnRef>
-          <a:fillRef idx="1">
-            <a:schemeClr val="accent1"/>
-          </a:fillRef>
-          <a:effectRef idx="0">
-            <a:schemeClr val="accent1"/>
-          </a:effectRef>
-          <a:fontRef idx="minor">
-            <a:schemeClr val="lt1"/>
-          </a:fontRef>
-        </p:style>
-        <p:txBody>
-          <a:bodyPr rtlCol="0" anchor="ctr"/>
-          <a:lstStyle/>
-          <a:p>
-            <a:r>
-              <a:rPr lang="en-US" sz="1200" b="1">
-                <a:solidFill>
-                  <a:srgbClr val="336699"/>
-                </a:solidFill>
-                <a:latin typeface="Arial"/>
-              </a:rPr>
-              <a:t>08: Using Layouts, CSS and JavaScript in ASP.NET Core MVC</a:t>
-            </a:r>
-          </a:p>
-        </p:txBody>
-      </p:sp>
-    </p:spTree>
-    <p:extLst>
-      <p:ext uri="{BB962C8B-B14F-4D97-AF65-F5344CB8AC3E}">
-        <p14:creationId xmlns:p14="http://schemas.microsoft.com/office/powerpoint/2010/main" val="1567606206"/>
-      </p:ext>
-    </p:extLst>
-  </p:cSld>
-  <p:clrMapOvr>
-    <a:masterClrMapping/>
-  </p:clrMapOvr>
-</p:notes>
-</file>
-
-<file path=ppt/notesSlides/notesSlide23.xml><?xml version="1.0" encoding="utf-8"?>
-<p:notes xmlns:a="http://schemas.openxmlformats.org/drawingml/2006/main" xmlns:r="http://schemas.openxmlformats.org/officeDocument/2006/relationships" xmlns:p="http://schemas.openxmlformats.org/presentationml/2006/main">
-  <p:cSld>
-    <p:spTree>
-      <p:nvGrpSpPr>
-        <p:cNvPr id="1" name=""/>
-        <p:cNvGrpSpPr/>
-        <p:nvPr/>
-      </p:nvGrpSpPr>
-      <p:grpSpPr>
-        <a:xfrm>
-          <a:off x="0" y="0"/>
-          <a:ext cx="0" cy="0"/>
-          <a:chOff x="0" y="0"/>
-          <a:chExt cx="0" cy="0"/>
-        </a:xfrm>
-      </p:grpSpPr>
-      <p:sp>
-        <p:nvSpPr>
-          <p:cNvPr id="2" name="Slide Image Placeholder 1"/>
-          <p:cNvSpPr>
-            <a:spLocks noGrp="1" noRot="1" noChangeAspect="1"/>
-          </p:cNvSpPr>
-          <p:nvPr>
-            <p:ph type="sldImg"/>
-          </p:nvPr>
-        </p:nvSpPr>
-        <p:spPr>
-          <a:xfrm>
-            <a:off x="3914775" y="73025"/>
-            <a:ext cx="3289300" cy="1851025"/>
-          </a:xfrm>
-        </p:spPr>
-      </p:sp>
-      <p:sp>
-        <p:nvSpPr>
-          <p:cNvPr id="3" name="Notes Placeholder 2"/>
-          <p:cNvSpPr>
-            <a:spLocks noGrp="1"/>
-          </p:cNvSpPr>
-          <p:nvPr>
-            <p:ph type="body" idx="1"/>
-          </p:nvPr>
-        </p:nvSpPr>
-        <p:spPr>
-          <a:xfrm>
-            <a:off x="310896" y="2093975"/>
-            <a:ext cx="6153912" cy="6604000"/>
-          </a:xfrm>
-        </p:spPr>
-        <p:txBody>
-          <a:bodyPr>
-            <a:noAutofit/>
-          </a:bodyPr>
-          <a:lstStyle/>
-          <a:p>
-            <a:pPr>
-              <a:lnSpc>
-                <a:spcPct val="115000"/>
-              </a:lnSpc>
-              <a:spcAft>
-                <a:spcPts val="1000"/>
-              </a:spcAft>
-            </a:pPr>
-            <a:r>
-              <a:rPr lang="en-US" sz="1000" b="1" dirty="0">
-                <a:latin typeface="Arial"/>
-                <a:ea typeface="Calibri"/>
-                <a:cs typeface="Times New Roman"/>
-              </a:rPr>
-              <a:t>Review Question</a:t>
-            </a:r>
-            <a:endParaRPr lang="en-US" sz="1000" dirty="0">
-              <a:latin typeface="Arial"/>
-              <a:ea typeface="Calibri"/>
-              <a:cs typeface="Times New Roman"/>
-            </a:endParaRPr>
-          </a:p>
-          <a:p>
-            <a:pPr>
-              <a:lnSpc>
-                <a:spcPct val="115000"/>
-              </a:lnSpc>
-              <a:spcAft>
-                <a:spcPts val="1000"/>
-              </a:spcAft>
-            </a:pPr>
-            <a:r>
-              <a:rPr lang="en-US" sz="1000" b="1" dirty="0">
-                <a:latin typeface="Arial"/>
-                <a:ea typeface="Calibri"/>
-                <a:cs typeface="Times New Roman"/>
-              </a:rPr>
-              <a:t>Question</a:t>
-            </a:r>
-            <a:endParaRPr lang="en-US" sz="1000" dirty="0">
-              <a:latin typeface="Arial"/>
-              <a:ea typeface="Calibri"/>
-              <a:cs typeface="Times New Roman"/>
-            </a:endParaRPr>
-          </a:p>
-          <a:p>
-            <a:pPr>
-              <a:lnSpc>
-                <a:spcPct val="115000"/>
-              </a:lnSpc>
-              <a:spcAft>
-                <a:spcPts val="1000"/>
-              </a:spcAft>
-            </a:pPr>
-            <a:r>
-              <a:rPr lang="en-US" sz="1000" dirty="0">
-                <a:latin typeface="Arial"/>
-                <a:ea typeface="Calibri"/>
-                <a:cs typeface="Times New Roman"/>
-              </a:rPr>
-              <a:t>Why do you have sections in a layout?</a:t>
-            </a:r>
-          </a:p>
-          <a:p>
-            <a:pPr>
-              <a:lnSpc>
-                <a:spcPct val="115000"/>
-              </a:lnSpc>
-              <a:spcAft>
-                <a:spcPts val="1000"/>
-              </a:spcAft>
-            </a:pPr>
-            <a:r>
-              <a:rPr lang="en-US" sz="1000" b="1" dirty="0">
-                <a:latin typeface="Arial"/>
-                <a:ea typeface="Calibri"/>
-                <a:cs typeface="Times New Roman"/>
-              </a:rPr>
-              <a:t>Answer</a:t>
-            </a:r>
-            <a:endParaRPr lang="en-US" sz="1000" dirty="0">
-              <a:latin typeface="Arial"/>
-              <a:ea typeface="Calibri"/>
-              <a:cs typeface="Times New Roman"/>
-            </a:endParaRPr>
-          </a:p>
-          <a:p>
-            <a:pPr>
-              <a:lnSpc>
-                <a:spcPct val="115000"/>
-              </a:lnSpc>
-              <a:spcAft>
-                <a:spcPts val="1000"/>
-              </a:spcAft>
-            </a:pPr>
-            <a:r>
-              <a:rPr lang="en-US" sz="1000" dirty="0">
-                <a:latin typeface="Arial"/>
-                <a:ea typeface="Calibri"/>
-                <a:cs typeface="Times New Roman"/>
-              </a:rPr>
-              <a:t>A section is a region of content within a layout. It is a placeholder within a layout that allows a view to insert content. </a:t>
-            </a:r>
-          </a:p>
-          <a:p>
-            <a:pPr>
-              <a:lnSpc>
-                <a:spcPct val="115000"/>
-              </a:lnSpc>
-              <a:spcAft>
-                <a:spcPts val="1000"/>
-              </a:spcAft>
-            </a:pPr>
-            <a:r>
-              <a:rPr lang="en-US" sz="1000" b="1" dirty="0">
-                <a:latin typeface="Arial"/>
-                <a:ea typeface="Calibri"/>
-                <a:cs typeface="Times New Roman"/>
-              </a:rPr>
-              <a:t>Best Practices</a:t>
-            </a:r>
-          </a:p>
-          <a:p>
-            <a:pPr marL="171450" indent="-171450">
-              <a:lnSpc>
-                <a:spcPct val="115000"/>
-              </a:lnSpc>
-              <a:spcAft>
-                <a:spcPts val="1000"/>
-              </a:spcAft>
-              <a:buSzPct val="150000"/>
-              <a:buFont typeface="Arial" panose="020B0604020202020204" pitchFamily="34" charset="0"/>
-              <a:buChar char="•"/>
-            </a:pPr>
-            <a:r>
-              <a:rPr lang="en-US" sz="1000" dirty="0">
-                <a:latin typeface="Arial"/>
-                <a:ea typeface="Calibri"/>
-                <a:cs typeface="Times New Roman"/>
-              </a:rPr>
-              <a:t>Use </a:t>
-            </a:r>
-            <a:r>
-              <a:rPr lang="en-US" sz="1000" dirty="0" err="1">
-                <a:latin typeface="Arial"/>
-                <a:ea typeface="Calibri"/>
-                <a:cs typeface="Times New Roman"/>
-              </a:rPr>
-              <a:t>npm</a:t>
-            </a:r>
-            <a:r>
-              <a:rPr lang="en-US" sz="1000" dirty="0">
-                <a:latin typeface="Arial"/>
-                <a:ea typeface="Calibri"/>
-                <a:cs typeface="Times New Roman"/>
-              </a:rPr>
-              <a:t> to add </a:t>
-            </a:r>
-            <a:r>
-              <a:rPr lang="en-US" sz="1000" dirty="0">
-                <a:latin typeface="Arial"/>
-                <a:ea typeface="Calibri"/>
-                <a:cs typeface="Arial"/>
-              </a:rPr>
-              <a:t>client-side</a:t>
-            </a:r>
-            <a:r>
-              <a:rPr lang="en-US" sz="1000" dirty="0">
-                <a:latin typeface="Arial"/>
-                <a:ea typeface="Calibri"/>
-                <a:cs typeface="Times New Roman"/>
-              </a:rPr>
-              <a:t> libraries to your application. Avoid installing client-side libraries by using the </a:t>
-            </a:r>
-            <a:r>
-              <a:rPr lang="en-US" sz="1000" dirty="0" err="1">
-                <a:latin typeface="Arial"/>
-                <a:ea typeface="Calibri"/>
-                <a:cs typeface="Times New Roman"/>
-              </a:rPr>
-              <a:t>NuGet</a:t>
-            </a:r>
-            <a:r>
-              <a:rPr lang="en-US" sz="1000" dirty="0">
-                <a:latin typeface="Arial"/>
-                <a:ea typeface="Calibri"/>
-                <a:cs typeface="Times New Roman"/>
-              </a:rPr>
-              <a:t> packages manager. </a:t>
-            </a:r>
-          </a:p>
-          <a:p>
-            <a:pPr marL="171450" indent="-171450">
-              <a:lnSpc>
-                <a:spcPct val="115000"/>
-              </a:lnSpc>
-              <a:spcAft>
-                <a:spcPts val="1000"/>
-              </a:spcAft>
-              <a:buSzPct val="150000"/>
-              <a:buFont typeface="Arial" panose="020B0604020202020204" pitchFamily="34" charset="0"/>
-              <a:buChar char="•"/>
-            </a:pPr>
-            <a:r>
-              <a:rPr lang="en-US" sz="1000" dirty="0">
-                <a:latin typeface="Arial"/>
-                <a:ea typeface="Calibri"/>
-                <a:cs typeface="Times New Roman"/>
-              </a:rPr>
-              <a:t>When using a CDN to add scripts to your application, create a fallback in case the script is not available on the CDN.</a:t>
-            </a:r>
-          </a:p>
-          <a:p>
-            <a:pPr>
-              <a:lnSpc>
-                <a:spcPct val="115000"/>
-              </a:lnSpc>
-              <a:spcAft>
-                <a:spcPts val="1000"/>
-              </a:spcAft>
-            </a:pPr>
-            <a:r>
-              <a:rPr lang="en-US" sz="1000" b="1" dirty="0">
-                <a:latin typeface="Arial"/>
-                <a:ea typeface="Calibri"/>
-                <a:cs typeface="Times New Roman"/>
-              </a:rPr>
-              <a:t>Common Issues and Troubleshooting Tips</a:t>
-            </a:r>
-            <a:endParaRPr lang="en-US" sz="1000" dirty="0">
-              <a:latin typeface="Arial"/>
-              <a:ea typeface="Calibri"/>
-              <a:cs typeface="Times New Roman"/>
-            </a:endParaRPr>
-          </a:p>
-          <a:p>
-            <a:pPr>
-              <a:lnSpc>
-                <a:spcPct val="115000"/>
-              </a:lnSpc>
-              <a:spcAft>
-                <a:spcPts val="1000"/>
-              </a:spcAft>
-            </a:pPr>
-            <a:r>
-              <a:rPr lang="en-US" sz="1000" b="1" dirty="0">
-                <a:latin typeface="Arial"/>
-                <a:ea typeface="Calibri"/>
-                <a:cs typeface="Times New Roman"/>
-              </a:rPr>
-              <a:t>Common Issue: </a:t>
-            </a:r>
-            <a:r>
-              <a:rPr lang="en-US" sz="1000" dirty="0">
-                <a:latin typeface="Arial"/>
-                <a:ea typeface="Calibri"/>
-                <a:cs typeface="Times New Roman"/>
-              </a:rPr>
-              <a:t>You get an error that indicates that a script you want to use is not loaded to your application.</a:t>
-            </a:r>
-          </a:p>
-          <a:p>
-            <a:pPr>
-              <a:lnSpc>
-                <a:spcPct val="115000"/>
-              </a:lnSpc>
-              <a:spcAft>
-                <a:spcPts val="1000"/>
-              </a:spcAft>
-            </a:pPr>
-            <a:r>
-              <a:rPr lang="en-US" sz="1000" b="1" dirty="0">
-                <a:latin typeface="Arial"/>
-                <a:ea typeface="Calibri"/>
-                <a:cs typeface="Times New Roman"/>
-              </a:rPr>
-              <a:t>Troubleshooting Tip: </a:t>
-            </a:r>
-            <a:r>
-              <a:rPr lang="en-US" sz="1000" dirty="0">
-                <a:latin typeface="Arial"/>
-                <a:ea typeface="Calibri"/>
-                <a:cs typeface="Times New Roman"/>
-              </a:rPr>
-              <a:t>Ensure you added the script to the layout or to the correct view. Then check that the script location is correct and that the script URL corresponds to its' location. If you are using CDN check that the CDN is available.</a:t>
-            </a:r>
-            <a:r>
-              <a:rPr lang="en-US" sz="1000" dirty="0">
-                <a:solidFill>
-                  <a:srgbClr val="000000"/>
-                </a:solidFill>
-                <a:latin typeface="Arial"/>
-                <a:ea typeface="Calibri"/>
-                <a:cs typeface="Times New Roman"/>
-              </a:rPr>
-              <a:t> Finally, try clearing the cache in the browser.</a:t>
-            </a:r>
-          </a:p>
-          <a:p>
-            <a:pPr>
-              <a:lnSpc>
-                <a:spcPct val="115000"/>
-              </a:lnSpc>
-              <a:spcAft>
-                <a:spcPts val="1000"/>
-              </a:spcAft>
-            </a:pPr>
-            <a:r>
-              <a:rPr lang="en-IN" sz="1000" b="1" dirty="0">
-                <a:latin typeface="Arial" panose="020B0604020202020204" pitchFamily="34" charset="0"/>
-                <a:cs typeface="Arial" panose="020B0604020202020204" pitchFamily="34" charset="0"/>
-              </a:rPr>
-              <a:t>Note: </a:t>
-            </a:r>
-            <a:r>
-              <a:rPr lang="en-IN" sz="1000" dirty="0">
-                <a:latin typeface="Arial" panose="020B0604020202020204" pitchFamily="34" charset="0"/>
-                <a:cs typeface="Arial" panose="020B0604020202020204" pitchFamily="34" charset="0"/>
-              </a:rPr>
-              <a:t>Ensure that you cover the common issues and the corresponding troubleshooting tips listed in this section. Encourage students to share tips from their own work environments.</a:t>
-            </a:r>
-            <a:endParaRPr lang="en-US" sz="1000" dirty="0">
-              <a:latin typeface="Arial" panose="020B0604020202020204" pitchFamily="34" charset="0"/>
-              <a:ea typeface="Calibri"/>
-              <a:cs typeface="Arial" panose="020B0604020202020204" pitchFamily="34" charset="0"/>
-            </a:endParaRPr>
-          </a:p>
-        </p:txBody>
-      </p:sp>
-      <p:sp>
-        <p:nvSpPr>
-          <p:cNvPr id="4" name="Slide Number Placeholder 3"/>
-          <p:cNvSpPr>
-            <a:spLocks noGrp="1"/>
-          </p:cNvSpPr>
-          <p:nvPr>
-            <p:ph type="sldNum" sz="quarter" idx="10"/>
-          </p:nvPr>
-        </p:nvSpPr>
-        <p:spPr/>
-        <p:txBody>
-          <a:bodyPr/>
-          <a:lstStyle/>
-          <a:p>
-            <a:fld id="{4A7128C8-95F5-4A96-80D7-20E0551865EA}" type="slidenum">
-              <a:rPr lang="en-US" smtClean="0"/>
-              <a:t>23</a:t>
             </a:fld>
             <a:endParaRPr lang="en-US"/>
           </a:p>
@@ -21089,7 +20270,7 @@
           <a:p>
             <a:fld id="{FC69B7DB-8367-4EA5-BD31-DC3A1C807884}" type="datetimeFigureOut">
               <a:rPr lang="en-US" smtClean="0"/>
-              <a:t>11/16/2021</a:t>
+              <a:t>1/18/2022</a:t>
             </a:fld>
             <a:endParaRPr lang="en-US" dirty="0"/>
           </a:p>
@@ -21466,7 +20647,7 @@
           <a:p>
             <a:fld id="{FC69B7DB-8367-4EA5-BD31-DC3A1C807884}" type="datetimeFigureOut">
               <a:rPr lang="en-US" smtClean="0"/>
-              <a:t>11/16/2021</a:t>
+              <a:t>1/18/2022</a:t>
             </a:fld>
             <a:endParaRPr lang="en-US" dirty="0"/>
           </a:p>
@@ -21902,7 +21083,7 @@
           <a:p>
             <a:fld id="{FC69B7DB-8367-4EA5-BD31-DC3A1C807884}" type="datetimeFigureOut">
               <a:rPr lang="en-US" smtClean="0"/>
-              <a:t>11/16/2021</a:t>
+              <a:t>1/18/2022</a:t>
             </a:fld>
             <a:endParaRPr lang="en-US" dirty="0"/>
           </a:p>
@@ -22472,7 +21653,7 @@
           <a:p>
             <a:fld id="{FC69B7DB-8367-4EA5-BD31-DC3A1C807884}" type="datetimeFigureOut">
               <a:rPr lang="en-US" smtClean="0"/>
-              <a:t>11/16/2021</a:t>
+              <a:t>1/18/2022</a:t>
             </a:fld>
             <a:endParaRPr lang="en-US" dirty="0"/>
           </a:p>
@@ -22738,7 +21919,7 @@
           <a:p>
             <a:fld id="{FC69B7DB-8367-4EA5-BD31-DC3A1C807884}" type="datetimeFigureOut">
               <a:rPr lang="en-US" smtClean="0"/>
-              <a:t>11/16/2021</a:t>
+              <a:t>1/18/2022</a:t>
             </a:fld>
             <a:endParaRPr lang="en-US" dirty="0"/>
           </a:p>
@@ -23203,7 +22384,7 @@
           <a:p>
             <a:fld id="{FC69B7DB-8367-4EA5-BD31-DC3A1C807884}" type="datetimeFigureOut">
               <a:rPr lang="en-US" smtClean="0"/>
-              <a:t>11/16/2021</a:t>
+              <a:t>1/18/2022</a:t>
             </a:fld>
             <a:endParaRPr lang="en-US" dirty="0"/>
           </a:p>
@@ -23651,7 +22832,7 @@
           <a:p>
             <a:fld id="{FC69B7DB-8367-4EA5-BD31-DC3A1C807884}" type="datetimeFigureOut">
               <a:rPr lang="en-US" smtClean="0"/>
-              <a:t>11/16/2021</a:t>
+              <a:t>1/18/2022</a:t>
             </a:fld>
             <a:endParaRPr lang="en-US" dirty="0"/>
           </a:p>
@@ -24095,7 +23276,7 @@
           <a:p>
             <a:fld id="{FC69B7DB-8367-4EA5-BD31-DC3A1C807884}" type="datetimeFigureOut">
               <a:rPr lang="en-US" smtClean="0"/>
-              <a:t>11/16/2021</a:t>
+              <a:t>1/18/2022</a:t>
             </a:fld>
             <a:endParaRPr lang="en-US" dirty="0"/>
           </a:p>
@@ -24289,7 +23470,7 @@
           <a:p>
             <a:fld id="{FC69B7DB-8367-4EA5-BD31-DC3A1C807884}" type="datetimeFigureOut">
               <a:rPr lang="en-US" smtClean="0"/>
-              <a:t>11/16/2021</a:t>
+              <a:t>1/18/2022</a:t>
             </a:fld>
             <a:endParaRPr lang="en-US" dirty="0"/>
           </a:p>
@@ -48064,238 +47245,6 @@
 
 <file path=ppt/slides/slide21.xml><?xml version="1.0" encoding="utf-8"?>
 <p:sld xmlns:a="http://schemas.openxmlformats.org/drawingml/2006/main" xmlns:r="http://schemas.openxmlformats.org/officeDocument/2006/relationships" xmlns:p="http://schemas.openxmlformats.org/presentationml/2006/main">
-  <p:cSld name="Lab Scenario3085861778">
-    <p:spTree>
-      <p:nvGrpSpPr>
-        <p:cNvPr id="1" name=""/>
-        <p:cNvGrpSpPr/>
-        <p:nvPr/>
-      </p:nvGrpSpPr>
-      <p:grpSpPr>
-        <a:xfrm>
-          <a:off x="0" y="0"/>
-          <a:ext cx="0" cy="0"/>
-          <a:chOff x="0" y="0"/>
-          <a:chExt cx="0" cy="0"/>
-        </a:xfrm>
-      </p:grpSpPr>
-      <p:sp>
-        <p:nvSpPr>
-          <p:cNvPr id="2" name="Title 1"/>
-          <p:cNvSpPr>
-            <a:spLocks noGrp="1"/>
-          </p:cNvSpPr>
-          <p:nvPr>
-            <p:ph type="title"/>
-          </p:nvPr>
-        </p:nvSpPr>
-        <p:spPr/>
-        <p:txBody>
-          <a:bodyPr/>
-          <a:lstStyle/>
-          <a:p>
-            <a:r>
-              <a:rPr lang="en-US"/>
-              <a:t>Lab Scenario</a:t>
-            </a:r>
-          </a:p>
-        </p:txBody>
-      </p:sp>
-      <p:sp>
-        <p:nvSpPr>
-          <p:cNvPr id="4" name="TextBox 3"/>
-          <p:cNvSpPr txBox="1"/>
-          <p:nvPr/>
-        </p:nvSpPr>
-        <p:spPr>
-          <a:xfrm>
-            <a:off x="1982788" y="1021215"/>
-            <a:ext cx="8119156" cy="5304016"/>
-          </a:xfrm>
-          <a:prstGeom prst="rect">
-            <a:avLst/>
-          </a:prstGeom>
-          <a:noFill/>
-        </p:spPr>
-        <p:txBody>
-          <a:bodyPr vert="horz" wrap="square" rtlCol="0">
-            <a:spAutoFit/>
-          </a:bodyPr>
-          <a:lstStyle/>
-          <a:p>
-            <a:pPr>
-              <a:spcBef>
-                <a:spcPts val="600"/>
-              </a:spcBef>
-              <a:spcAft>
-                <a:spcPts val="1000"/>
-              </a:spcAft>
-            </a:pPr>
-            <a:r>
-              <a:rPr lang="en-US" sz="2400" dirty="0">
-                <a:latin typeface="Segoe UI"/>
-                <a:ea typeface="Calibri"/>
-                <a:cs typeface="Times New Roman"/>
-              </a:rPr>
-              <a:t>You have been asked to add a slideshow to the homepage of the zoo web application that will show some of the animals’ photos. The slideshow will display each photo in a large size. However, the slideshow will display only one photo at a time, and cycle through all the photos in order.</a:t>
-            </a:r>
-          </a:p>
-          <a:p>
-            <a:pPr>
-              <a:spcBef>
-                <a:spcPts val="600"/>
-              </a:spcBef>
-              <a:spcAft>
-                <a:spcPts val="1000"/>
-              </a:spcAft>
-            </a:pPr>
-            <a:r>
-              <a:rPr lang="en-US" sz="2400" dirty="0">
-                <a:latin typeface="Segoe UI"/>
-                <a:ea typeface="Times New Roman"/>
-                <a:cs typeface="Times New Roman"/>
-              </a:rPr>
-              <a:t> </a:t>
-            </a:r>
-            <a:r>
-              <a:rPr lang="en-US" sz="2400" dirty="0">
-                <a:latin typeface="Segoe UI"/>
-                <a:ea typeface="Calibri"/>
-                <a:cs typeface="Times New Roman"/>
-              </a:rPr>
-              <a:t>You want to use jQuery to create this slideshow because you want to cycle through the photos in the browser without reloading the page each time. </a:t>
-            </a:r>
-          </a:p>
-          <a:p>
-            <a:pPr>
-              <a:spcBef>
-                <a:spcPts val="600"/>
-              </a:spcBef>
-              <a:spcAft>
-                <a:spcPts val="1000"/>
-              </a:spcAft>
-            </a:pPr>
-            <a:r>
-              <a:rPr lang="en-US" sz="2400" dirty="0">
-                <a:latin typeface="Segoe UI"/>
-                <a:ea typeface="Times New Roman"/>
-                <a:cs typeface="Times New Roman"/>
-              </a:rPr>
-              <a:t> </a:t>
-            </a:r>
-            <a:r>
-              <a:rPr lang="en-US" sz="2400" dirty="0">
-                <a:latin typeface="Segoe UI"/>
-                <a:ea typeface="Calibri"/>
-                <a:cs typeface="Times New Roman"/>
-              </a:rPr>
-              <a:t>You have been also asked to add a purchase page </a:t>
-            </a:r>
-            <a:r>
-              <a:rPr lang="en-US" sz="2400" dirty="0">
-                <a:solidFill>
-                  <a:srgbClr val="000000"/>
-                </a:solidFill>
-                <a:latin typeface="Segoe UI"/>
-                <a:ea typeface="Calibri"/>
-                <a:cs typeface="Times New Roman"/>
-              </a:rPr>
-              <a:t>to enable customers to buy adult, child and senior tickets to the zoo. To perform calculations within the page you will use jQuery. You will also use client-side validation to validate the input typed by the users.</a:t>
-            </a:r>
-            <a:endParaRPr lang="en-US" sz="2400" dirty="0"/>
-          </a:p>
-        </p:txBody>
-      </p:sp>
-    </p:spTree>
-    <p:extLst>
-      <p:ext uri="{BB962C8B-B14F-4D97-AF65-F5344CB8AC3E}">
-        <p14:creationId xmlns:p14="http://schemas.microsoft.com/office/powerpoint/2010/main" val="919177045"/>
-      </p:ext>
-    </p:extLst>
-  </p:cSld>
-  <p:clrMapOvr>
-    <a:masterClrMapping/>
-  </p:clrMapOvr>
-</p:sld>
-</file>
-
-<file path=ppt/slides/slide22.xml><?xml version="1.0" encoding="utf-8"?>
-<p:sld xmlns:a="http://schemas.openxmlformats.org/drawingml/2006/main" xmlns:r="http://schemas.openxmlformats.org/officeDocument/2006/relationships" xmlns:p="http://schemas.openxmlformats.org/presentationml/2006/main">
-  <p:cSld name="3bbdb017-d9a7-4287-97ec-9cfee826f4f1">
-    <p:spTree>
-      <p:nvGrpSpPr>
-        <p:cNvPr id="1" name=""/>
-        <p:cNvGrpSpPr/>
-        <p:nvPr/>
-      </p:nvGrpSpPr>
-      <p:grpSpPr>
-        <a:xfrm>
-          <a:off x="0" y="0"/>
-          <a:ext cx="0" cy="0"/>
-          <a:chOff x="0" y="0"/>
-          <a:chExt cx="0" cy="0"/>
-        </a:xfrm>
-      </p:grpSpPr>
-      <p:sp>
-        <p:nvSpPr>
-          <p:cNvPr id="2" name="Title 1"/>
-          <p:cNvSpPr>
-            <a:spLocks noGrp="1"/>
-          </p:cNvSpPr>
-          <p:nvPr>
-            <p:ph type="title"/>
-          </p:nvPr>
-        </p:nvSpPr>
-        <p:spPr/>
-        <p:txBody>
-          <a:bodyPr/>
-          <a:lstStyle/>
-          <a:p>
-            <a:r>
-              <a:rPr lang="en-US"/>
-              <a:t>Lab Review</a:t>
-            </a:r>
-          </a:p>
-        </p:txBody>
-      </p:sp>
-      <p:sp>
-        <p:nvSpPr>
-          <p:cNvPr id="3" name="Text Placeholder 2"/>
-          <p:cNvSpPr>
-            <a:spLocks noGrp="1"/>
-          </p:cNvSpPr>
-          <p:nvPr>
-            <p:ph type="body" idx="1"/>
-          </p:nvPr>
-        </p:nvSpPr>
-        <p:spPr/>
-        <p:txBody>
-          <a:bodyPr/>
-          <a:lstStyle/>
-          <a:p>
-            <a:r>
-              <a:rPr lang="en-US" dirty="0"/>
-              <a:t>How did you apply the same layout to all the views in the web application?
-Your development team has decided to use a new client-side package in the zoo web application. You were asked by your manager to add the client-side package in a similar way to the client-side packages that already exist in the zoo web application. How would you add the client-side package?</a:t>
-            </a:r>
-          </a:p>
-        </p:txBody>
-      </p:sp>
-    </p:spTree>
-    <p:extLst>
-      <p:ext uri="{BB962C8B-B14F-4D97-AF65-F5344CB8AC3E}">
-        <p14:creationId xmlns:p14="http://schemas.microsoft.com/office/powerpoint/2010/main" val="2711794315"/>
-      </p:ext>
-    </p:extLst>
-  </p:cSld>
-  <p:clrMapOvr>
-    <a:masterClrMapping/>
-  </p:clrMapOvr>
-</p:sld>
-</file>
-
-<file path=ppt/slides/slide23.xml><?xml version="1.0" encoding="utf-8"?>
-<p:sld xmlns:a="http://schemas.openxmlformats.org/drawingml/2006/main" xmlns:r="http://schemas.openxmlformats.org/officeDocument/2006/relationships" xmlns:p="http://schemas.openxmlformats.org/presentationml/2006/main">
   <p:cSld name="Module_Review">
     <p:spTree>
       <p:nvGrpSpPr>
@@ -48327,7 +47276,7 @@
           <a:lstStyle/>
           <a:p>
             <a:r>
-              <a:rPr lang="en-US"/>
+              <a:rPr lang="en-US" sz="2800" dirty="0"/>
               <a:t>Module Review and Takeaways</a:t>
             </a:r>
           </a:p>
@@ -48345,11 +47294,13 @@
         </p:nvSpPr>
         <p:spPr/>
         <p:txBody>
-          <a:bodyPr/>
+          <a:bodyPr>
+            <a:normAutofit/>
+          </a:bodyPr>
           <a:lstStyle/>
           <a:p>
             <a:r>
-              <a:rPr lang="en-US" dirty="0"/>
+              <a:rPr lang="en-US" sz="2000" dirty="0"/>
               <a:t>Review Question
 Best Practices
 Common Issues and Troubleshooting Tips</a:t>

--- a/Slides/Razor_08.pptx
+++ b/Slides/Razor_08.pptx
@@ -288,7 +288,7 @@
           <a:p>
             <a:fld id="{26C87062-192D-4BD9-8A1D-8F41B00E23B3}" type="datetimeFigureOut">
               <a:rPr lang="en-US" smtClean="0"/>
-              <a:t>1/18/2022</a:t>
+              <a:t>2/9/2022</a:t>
             </a:fld>
             <a:endParaRPr lang="en-US"/>
           </a:p>
@@ -20270,7 +20270,7 @@
           <a:p>
             <a:fld id="{FC69B7DB-8367-4EA5-BD31-DC3A1C807884}" type="datetimeFigureOut">
               <a:rPr lang="en-US" smtClean="0"/>
-              <a:t>1/18/2022</a:t>
+              <a:t>2/9/2022</a:t>
             </a:fld>
             <a:endParaRPr lang="en-US" dirty="0"/>
           </a:p>
@@ -20647,7 +20647,7 @@
           <a:p>
             <a:fld id="{FC69B7DB-8367-4EA5-BD31-DC3A1C807884}" type="datetimeFigureOut">
               <a:rPr lang="en-US" smtClean="0"/>
-              <a:t>1/18/2022</a:t>
+              <a:t>2/9/2022</a:t>
             </a:fld>
             <a:endParaRPr lang="en-US" dirty="0"/>
           </a:p>
@@ -21083,7 +21083,7 @@
           <a:p>
             <a:fld id="{FC69B7DB-8367-4EA5-BD31-DC3A1C807884}" type="datetimeFigureOut">
               <a:rPr lang="en-US" smtClean="0"/>
-              <a:t>1/18/2022</a:t>
+              <a:t>2/9/2022</a:t>
             </a:fld>
             <a:endParaRPr lang="en-US" dirty="0"/>
           </a:p>
@@ -21653,7 +21653,7 @@
           <a:p>
             <a:fld id="{FC69B7DB-8367-4EA5-BD31-DC3A1C807884}" type="datetimeFigureOut">
               <a:rPr lang="en-US" smtClean="0"/>
-              <a:t>1/18/2022</a:t>
+              <a:t>2/9/2022</a:t>
             </a:fld>
             <a:endParaRPr lang="en-US" dirty="0"/>
           </a:p>
@@ -21919,7 +21919,7 @@
           <a:p>
             <a:fld id="{FC69B7DB-8367-4EA5-BD31-DC3A1C807884}" type="datetimeFigureOut">
               <a:rPr lang="en-US" smtClean="0"/>
-              <a:t>1/18/2022</a:t>
+              <a:t>2/9/2022</a:t>
             </a:fld>
             <a:endParaRPr lang="en-US" dirty="0"/>
           </a:p>
@@ -22384,7 +22384,7 @@
           <a:p>
             <a:fld id="{FC69B7DB-8367-4EA5-BD31-DC3A1C807884}" type="datetimeFigureOut">
               <a:rPr lang="en-US" smtClean="0"/>
-              <a:t>1/18/2022</a:t>
+              <a:t>2/9/2022</a:t>
             </a:fld>
             <a:endParaRPr lang="en-US" dirty="0"/>
           </a:p>
@@ -22832,7 +22832,7 @@
           <a:p>
             <a:fld id="{FC69B7DB-8367-4EA5-BD31-DC3A1C807884}" type="datetimeFigureOut">
               <a:rPr lang="en-US" smtClean="0"/>
-              <a:t>1/18/2022</a:t>
+              <a:t>2/9/2022</a:t>
             </a:fld>
             <a:endParaRPr lang="en-US" dirty="0"/>
           </a:p>
@@ -23276,7 +23276,7 @@
           <a:p>
             <a:fld id="{FC69B7DB-8367-4EA5-BD31-DC3A1C807884}" type="datetimeFigureOut">
               <a:rPr lang="en-US" smtClean="0"/>
-              <a:t>1/18/2022</a:t>
+              <a:t>2/9/2022</a:t>
             </a:fld>
             <a:endParaRPr lang="en-US" dirty="0"/>
           </a:p>
@@ -23470,7 +23470,7 @@
           <a:p>
             <a:fld id="{FC69B7DB-8367-4EA5-BD31-DC3A1C807884}" type="datetimeFigureOut">
               <a:rPr lang="en-US" smtClean="0"/>
-              <a:t>1/18/2022</a:t>
+              <a:t>2/9/2022</a:t>
             </a:fld>
             <a:endParaRPr lang="en-US" dirty="0"/>
           </a:p>
